--- a/Task2.pptx
+++ b/Task2.pptx
@@ -119,7 +119,41 @@
       </a:defRPr>
     </a:lvl9pPr>
   </p:defaultTextStyle>
+  <p:extLst>
+    <p:ext uri="{EFAFB233-063F-42B5-8137-9DF3F51BA10A}">
+      <p15:sldGuideLst xmlns:p15="http://schemas.microsoft.com/office/powerpoint/2012/main"/>
+    </p:ext>
+  </p:extLst>
 </p:presentation>
+</file>
+
+<file path=ppt/changesInfos/changesInfo1.xml><?xml version="1.0" encoding="utf-8"?>
+<pc:chgInfo xmlns:a="http://schemas.openxmlformats.org/drawingml/2006/main" xmlns:r="http://schemas.openxmlformats.org/officeDocument/2006/relationships" xmlns:ac="http://schemas.microsoft.com/office/drawing/2013/main/command" xmlns:pc="http://schemas.microsoft.com/office/powerpoint/2013/main/command">
+  <pc:docChgLst>
+    <pc:chgData name="abinesh r" userId="b26e7cb80bdc3b4b" providerId="LiveId" clId="{BE06246B-5871-4EF3-AD83-EF74C9F87302}"/>
+    <pc:docChg chg="modSld">
+      <pc:chgData name="abinesh r" userId="b26e7cb80bdc3b4b" providerId="LiveId" clId="{BE06246B-5871-4EF3-AD83-EF74C9F87302}" dt="2025-10-19T12:18:49.470" v="39" actId="20577"/>
+      <pc:docMkLst>
+        <pc:docMk/>
+      </pc:docMkLst>
+      <pc:sldChg chg="modSp mod">
+        <pc:chgData name="abinesh r" userId="b26e7cb80bdc3b4b" providerId="LiveId" clId="{BE06246B-5871-4EF3-AD83-EF74C9F87302}" dt="2025-10-19T12:18:49.470" v="39" actId="20577"/>
+        <pc:sldMkLst>
+          <pc:docMk/>
+          <pc:sldMk cId="3131639102" sldId="271"/>
+        </pc:sldMkLst>
+        <pc:spChg chg="mod">
+          <ac:chgData name="abinesh r" userId="b26e7cb80bdc3b4b" providerId="LiveId" clId="{BE06246B-5871-4EF3-AD83-EF74C9F87302}" dt="2025-10-19T12:18:49.470" v="39" actId="20577"/>
+          <ac:spMkLst>
+            <pc:docMk/>
+            <pc:sldMk cId="3131639102" sldId="271"/>
+            <ac:spMk id="3" creationId="{B33E9900-78D0-CBB4-A4B4-926AB215C0E2}"/>
+          </ac:spMkLst>
+        </pc:spChg>
+      </pc:sldChg>
+    </pc:docChg>
+  </pc:docChgLst>
+</pc:chgInfo>
 </file>
 
 <file path=ppt/slideLayouts/slideLayout1.xml><?xml version="1.0" encoding="utf-8"?>
@@ -362,7 +396,7 @@
           <a:p>
             <a:fld id="{740DA923-29B3-48D6-945B-A5196D7ECE61}" type="datetimeFigureOut">
               <a:rPr lang="en-IN" smtClean="0"/>
-              <a:t>17-10-2025</a:t>
+              <a:t>19-10-2025</a:t>
             </a:fld>
             <a:endParaRPr lang="en-IN"/>
           </a:p>
@@ -570,7 +604,7 @@
           <a:p>
             <a:fld id="{740DA923-29B3-48D6-945B-A5196D7ECE61}" type="datetimeFigureOut">
               <a:rPr lang="en-IN" smtClean="0"/>
-              <a:t>17-10-2025</a:t>
+              <a:t>19-10-2025</a:t>
             </a:fld>
             <a:endParaRPr lang="en-IN"/>
           </a:p>
@@ -840,7 +874,7 @@
           <a:p>
             <a:fld id="{740DA923-29B3-48D6-945B-A5196D7ECE61}" type="datetimeFigureOut">
               <a:rPr lang="en-IN" smtClean="0"/>
-              <a:t>17-10-2025</a:t>
+              <a:t>19-10-2025</a:t>
             </a:fld>
             <a:endParaRPr lang="en-IN"/>
           </a:p>
@@ -1014,7 +1048,7 @@
           <a:p>
             <a:fld id="{740DA923-29B3-48D6-945B-A5196D7ECE61}" type="datetimeFigureOut">
               <a:rPr lang="en-IN" smtClean="0"/>
-              <a:t>17-10-2025</a:t>
+              <a:t>19-10-2025</a:t>
             </a:fld>
             <a:endParaRPr lang="en-IN"/>
           </a:p>
@@ -1371,7 +1405,7 @@
           <a:p>
             <a:fld id="{740DA923-29B3-48D6-945B-A5196D7ECE61}" type="datetimeFigureOut">
               <a:rPr lang="en-IN" smtClean="0"/>
-              <a:t>17-10-2025</a:t>
+              <a:t>19-10-2025</a:t>
             </a:fld>
             <a:endParaRPr lang="en-IN"/>
           </a:p>
@@ -1646,7 +1680,7 @@
           <a:p>
             <a:fld id="{740DA923-29B3-48D6-945B-A5196D7ECE61}" type="datetimeFigureOut">
               <a:rPr lang="en-IN" smtClean="0"/>
-              <a:t>17-10-2025</a:t>
+              <a:t>19-10-2025</a:t>
             </a:fld>
             <a:endParaRPr lang="en-IN"/>
           </a:p>
@@ -2025,7 +2059,7 @@
           <a:p>
             <a:fld id="{740DA923-29B3-48D6-945B-A5196D7ECE61}" type="datetimeFigureOut">
               <a:rPr lang="en-IN" smtClean="0"/>
-              <a:t>17-10-2025</a:t>
+              <a:t>19-10-2025</a:t>
             </a:fld>
             <a:endParaRPr lang="en-IN"/>
           </a:p>
@@ -2143,7 +2177,7 @@
           <a:p>
             <a:fld id="{740DA923-29B3-48D6-945B-A5196D7ECE61}" type="datetimeFigureOut">
               <a:rPr lang="en-IN" smtClean="0"/>
-              <a:t>17-10-2025</a:t>
+              <a:t>19-10-2025</a:t>
             </a:fld>
             <a:endParaRPr lang="en-IN"/>
           </a:p>
@@ -2328,7 +2362,7 @@
           <a:p>
             <a:fld id="{740DA923-29B3-48D6-945B-A5196D7ECE61}" type="datetimeFigureOut">
               <a:rPr lang="en-IN" smtClean="0"/>
-              <a:t>17-10-2025</a:t>
+              <a:t>19-10-2025</a:t>
             </a:fld>
             <a:endParaRPr lang="en-IN"/>
           </a:p>
@@ -2696,7 +2730,7 @@
           <a:p>
             <a:fld id="{740DA923-29B3-48D6-945B-A5196D7ECE61}" type="datetimeFigureOut">
               <a:rPr lang="en-IN" smtClean="0"/>
-              <a:t>17-10-2025</a:t>
+              <a:t>19-10-2025</a:t>
             </a:fld>
             <a:endParaRPr lang="en-IN"/>
           </a:p>
@@ -3092,7 +3126,7 @@
           <a:p>
             <a:fld id="{740DA923-29B3-48D6-945B-A5196D7ECE61}" type="datetimeFigureOut">
               <a:rPr lang="en-IN" smtClean="0"/>
-              <a:t>17-10-2025</a:t>
+              <a:t>19-10-2025</a:t>
             </a:fld>
             <a:endParaRPr lang="en-IN"/>
           </a:p>
@@ -3393,7 +3427,7 @@
           <a:p>
             <a:fld id="{740DA923-29B3-48D6-945B-A5196D7ECE61}" type="datetimeFigureOut">
               <a:rPr lang="en-IN" smtClean="0"/>
-              <a:t>17-10-2025</a:t>
+              <a:t>19-10-2025</a:t>
             </a:fld>
             <a:endParaRPr lang="en-IN"/>
           </a:p>
@@ -5512,8 +5546,8 @@
               <a:rPr lang="en-US" sz="4800" dirty="0"/>
             </a:br>
             <a:r>
-              <a:rPr lang="en-US" sz="4800" dirty="0"/>
-              <a:t>📧 [Add your email]</a:t>
+              <a:rPr lang="en-US" sz="4800"/>
+              <a:t>📧 manees444waran@gmail.com</a:t>
             </a:r>
             <a:br>
               <a:rPr lang="en-US" sz="4800" dirty="0"/>
